--- a/apresentação/ApresentacaoTCC-cloudcar.pptx
+++ b/apresentação/ApresentacaoTCC-cloudcar.pptx
@@ -106,6 +106,11 @@
       </a:defRPr>
     </a:lvl9pPr>
   </p:defaultTextStyle>
+  <p:extLst>
+    <p:ext uri="{EFAFB233-063F-42B5-8137-9DF3F51BA10A}">
+      <p15:sldGuideLst xmlns:p15="http://schemas.microsoft.com/office/powerpoint/2012/main"/>
+    </p:ext>
+  </p:extLst>
 </p:presentation>
 </file>
 
@@ -3063,7 +3068,7 @@
         </p:nvSpPr>
         <p:spPr>
           <a:xfrm>
-            <a:off x="1088572" y="5555309"/>
+            <a:off x="1524000" y="5571967"/>
             <a:ext cx="3682162" cy="984885"/>
           </a:xfrm>
           <a:prstGeom prst="rect">
@@ -3080,7 +3085,6 @@
               <a:rPr lang="pt-BR" dirty="0" smtClean="0"/>
               <a:t>Acadêmico </a:t>
             </a:r>
-            <a:endParaRPr lang="pt-BR" dirty="0" smtClean="0"/>
           </a:p>
           <a:p>
             <a:r>
@@ -3105,7 +3109,7 @@
         </p:nvSpPr>
         <p:spPr>
           <a:xfrm>
-            <a:off x="7916091" y="5555309"/>
+            <a:off x="7402170" y="5571967"/>
             <a:ext cx="3265830" cy="984885"/>
           </a:xfrm>
           <a:prstGeom prst="rect">
@@ -3123,7 +3127,6 @@
               <a:rPr lang="pt-BR" dirty="0" smtClean="0"/>
               <a:t>              Orientador</a:t>
             </a:r>
-            <a:endParaRPr lang="pt-BR" dirty="0" smtClean="0"/>
           </a:p>
           <a:p>
             <a:pPr algn="r"/>

--- a/apresentação/ApresentacaoTCC-cloudcar.pptx
+++ b/apresentação/ApresentacaoTCC-cloudcar.pptx
@@ -8,6 +8,7 @@
     <p:sldId id="256" r:id="rId2"/>
     <p:sldId id="257" r:id="rId3"/>
     <p:sldId id="258" r:id="rId4"/>
+    <p:sldId id="259" r:id="rId5"/>
   </p:sldIdLst>
   <p:sldSz cx="12192000" cy="6858000"/>
   <p:notesSz cx="6858000" cy="9144000"/>
@@ -245,7 +246,7 @@
           <a:p>
             <a:fld id="{F1B46713-EEC7-41C3-A995-44E3FF25267E}" type="datetimeFigureOut">
               <a:rPr lang="pt-BR" smtClean="0"/>
-              <a:t>28/11/2017</a:t>
+              <a:t>29/11/2017</a:t>
             </a:fld>
             <a:endParaRPr lang="pt-BR"/>
           </a:p>
@@ -415,7 +416,7 @@
           <a:p>
             <a:fld id="{F1B46713-EEC7-41C3-A995-44E3FF25267E}" type="datetimeFigureOut">
               <a:rPr lang="pt-BR" smtClean="0"/>
-              <a:t>28/11/2017</a:t>
+              <a:t>29/11/2017</a:t>
             </a:fld>
             <a:endParaRPr lang="pt-BR"/>
           </a:p>
@@ -595,7 +596,7 @@
           <a:p>
             <a:fld id="{F1B46713-EEC7-41C3-A995-44E3FF25267E}" type="datetimeFigureOut">
               <a:rPr lang="pt-BR" smtClean="0"/>
-              <a:t>28/11/2017</a:t>
+              <a:t>29/11/2017</a:t>
             </a:fld>
             <a:endParaRPr lang="pt-BR"/>
           </a:p>
@@ -765,7 +766,7 @@
           <a:p>
             <a:fld id="{F1B46713-EEC7-41C3-A995-44E3FF25267E}" type="datetimeFigureOut">
               <a:rPr lang="pt-BR" smtClean="0"/>
-              <a:t>28/11/2017</a:t>
+              <a:t>29/11/2017</a:t>
             </a:fld>
             <a:endParaRPr lang="pt-BR"/>
           </a:p>
@@ -1011,7 +1012,7 @@
           <a:p>
             <a:fld id="{F1B46713-EEC7-41C3-A995-44E3FF25267E}" type="datetimeFigureOut">
               <a:rPr lang="pt-BR" smtClean="0"/>
-              <a:t>28/11/2017</a:t>
+              <a:t>29/11/2017</a:t>
             </a:fld>
             <a:endParaRPr lang="pt-BR"/>
           </a:p>
@@ -1243,7 +1244,7 @@
           <a:p>
             <a:fld id="{F1B46713-EEC7-41C3-A995-44E3FF25267E}" type="datetimeFigureOut">
               <a:rPr lang="pt-BR" smtClean="0"/>
-              <a:t>28/11/2017</a:t>
+              <a:t>29/11/2017</a:t>
             </a:fld>
             <a:endParaRPr lang="pt-BR"/>
           </a:p>
@@ -1610,7 +1611,7 @@
           <a:p>
             <a:fld id="{F1B46713-EEC7-41C3-A995-44E3FF25267E}" type="datetimeFigureOut">
               <a:rPr lang="pt-BR" smtClean="0"/>
-              <a:t>28/11/2017</a:t>
+              <a:t>29/11/2017</a:t>
             </a:fld>
             <a:endParaRPr lang="pt-BR"/>
           </a:p>
@@ -1728,7 +1729,7 @@
           <a:p>
             <a:fld id="{F1B46713-EEC7-41C3-A995-44E3FF25267E}" type="datetimeFigureOut">
               <a:rPr lang="pt-BR" smtClean="0"/>
-              <a:t>28/11/2017</a:t>
+              <a:t>29/11/2017</a:t>
             </a:fld>
             <a:endParaRPr lang="pt-BR"/>
           </a:p>
@@ -1823,7 +1824,7 @@
           <a:p>
             <a:fld id="{F1B46713-EEC7-41C3-A995-44E3FF25267E}" type="datetimeFigureOut">
               <a:rPr lang="pt-BR" smtClean="0"/>
-              <a:t>28/11/2017</a:t>
+              <a:t>29/11/2017</a:t>
             </a:fld>
             <a:endParaRPr lang="pt-BR"/>
           </a:p>
@@ -2100,7 +2101,7 @@
           <a:p>
             <a:fld id="{F1B46713-EEC7-41C3-A995-44E3FF25267E}" type="datetimeFigureOut">
               <a:rPr lang="pt-BR" smtClean="0"/>
-              <a:t>28/11/2017</a:t>
+              <a:t>29/11/2017</a:t>
             </a:fld>
             <a:endParaRPr lang="pt-BR"/>
           </a:p>
@@ -2353,7 +2354,7 @@
           <a:p>
             <a:fld id="{F1B46713-EEC7-41C3-A995-44E3FF25267E}" type="datetimeFigureOut">
               <a:rPr lang="pt-BR" smtClean="0"/>
-              <a:t>28/11/2017</a:t>
+              <a:t>29/11/2017</a:t>
             </a:fld>
             <a:endParaRPr lang="pt-BR"/>
           </a:p>
@@ -2566,7 +2567,7 @@
           <a:p>
             <a:fld id="{F1B46713-EEC7-41C3-A995-44E3FF25267E}" type="datetimeFigureOut">
               <a:rPr lang="pt-BR" smtClean="0"/>
-              <a:t>28/11/2017</a:t>
+              <a:t>29/11/2017</a:t>
             </a:fld>
             <a:endParaRPr lang="pt-BR"/>
           </a:p>
@@ -2981,38 +2982,20 @@
             <p:ph type="ctrTitle"/>
           </p:nvPr>
         </p:nvSpPr>
-        <p:spPr/>
+        <p:spPr>
+          <a:xfrm>
+            <a:off x="1524000" y="2010637"/>
+            <a:ext cx="9144000" cy="2387600"/>
+          </a:xfrm>
+        </p:spPr>
         <p:txBody>
           <a:bodyPr>
-            <a:normAutofit/>
+            <a:normAutofit fontScale="90000"/>
           </a:bodyPr>
           <a:lstStyle/>
           <a:p>
             <a:r>
-              <a:rPr lang="pt-BR" dirty="0" smtClean="0"/>
-              <a:t>CLOUDCAR</a:t>
-            </a:r>
-            <a:endParaRPr lang="pt-BR" dirty="0"/>
-          </a:p>
-        </p:txBody>
-      </p:sp>
-      <p:sp>
-        <p:nvSpPr>
-          <p:cNvPr id="3" name="Subtítulo 2"/>
-          <p:cNvSpPr>
-            <a:spLocks noGrp="1"/>
-          </p:cNvSpPr>
-          <p:nvPr>
-            <p:ph type="subTitle" idx="1"/>
-          </p:nvPr>
-        </p:nvSpPr>
-        <p:spPr/>
-        <p:txBody>
-          <a:bodyPr/>
-          <a:lstStyle/>
-          <a:p>
-            <a:r>
-              <a:rPr lang="pt-BR" dirty="0" smtClean="0"/>
+              <a:rPr lang="pt-BR" dirty="0"/>
               <a:t>APLICAÇÃO PARA MONITORAMENTO VEICULAR EM TEMPO REAL</a:t>
             </a:r>
             <a:endParaRPr lang="pt-BR" dirty="0"/>
@@ -3225,7 +3208,17 @@
           <a:bodyPr/>
           <a:lstStyle/>
           <a:p>
-            <a:endParaRPr lang="pt-BR"/>
+            <a:r>
+              <a:rPr lang="pt-BR" dirty="0" smtClean="0"/>
+              <a:t>Motivação</a:t>
+            </a:r>
+          </a:p>
+          <a:p>
+            <a:r>
+              <a:rPr lang="pt-BR" dirty="0" smtClean="0"/>
+              <a:t>Objetivos</a:t>
+            </a:r>
+            <a:endParaRPr lang="pt-BR" dirty="0"/>
           </a:p>
         </p:txBody>
       </p:sp>
@@ -3301,10 +3294,77 @@
         </p:nvSpPr>
         <p:spPr/>
         <p:txBody>
-          <a:bodyPr/>
-          <a:lstStyle/>
-          <a:p>
-            <a:endParaRPr lang="pt-BR" dirty="0"/>
+          <a:bodyPr>
+            <a:normAutofit/>
+          </a:bodyPr>
+          <a:lstStyle/>
+          <a:p>
+            <a:r>
+              <a:rPr lang="pt-BR" sz="3000" dirty="0" smtClean="0"/>
+              <a:t>Alto índice de furtos a veículos</a:t>
+            </a:r>
+          </a:p>
+          <a:p>
+            <a:r>
+              <a:rPr lang="pt-BR" sz="3000" dirty="0" smtClean="0"/>
+              <a:t>Falhas mecânicas causadas por falta de manutenção</a:t>
+            </a:r>
+          </a:p>
+          <a:p>
+            <a:r>
+              <a:rPr lang="pt-BR" sz="3000" dirty="0" smtClean="0"/>
+              <a:t>Integrar as soluções de </a:t>
+            </a:r>
+            <a:r>
+              <a:rPr lang="pt-BR" sz="3000" dirty="0" err="1" smtClean="0"/>
+              <a:t>Staroski</a:t>
+            </a:r>
+            <a:r>
+              <a:rPr lang="pt-BR" sz="3000" dirty="0" smtClean="0"/>
+              <a:t> (2016) e Baumgarten (2016) em uma única plataforma</a:t>
+            </a:r>
+          </a:p>
+          <a:p>
+            <a:r>
+              <a:rPr lang="pt-BR" sz="3000" dirty="0" smtClean="0"/>
+              <a:t>Explorar os recursos de uma nova placa</a:t>
+            </a:r>
+          </a:p>
+          <a:p>
+            <a:r>
+              <a:rPr lang="pt-BR" sz="3000" dirty="0" smtClean="0"/>
+              <a:t>Principais interesses:</a:t>
+            </a:r>
+          </a:p>
+          <a:p>
+            <a:pPr lvl="1"/>
+            <a:r>
+              <a:rPr lang="pt-BR" sz="2600" dirty="0" smtClean="0"/>
+              <a:t>Aprender sobre a linguagem de programação Python</a:t>
+            </a:r>
+          </a:p>
+          <a:p>
+            <a:pPr lvl="1"/>
+            <a:r>
+              <a:rPr lang="pt-BR" sz="2600" dirty="0" smtClean="0"/>
+              <a:t>Internet da Coisas (</a:t>
+            </a:r>
+            <a:r>
+              <a:rPr lang="pt-BR" sz="2600" dirty="0" err="1" smtClean="0"/>
+              <a:t>IoT</a:t>
+            </a:r>
+            <a:r>
+              <a:rPr lang="pt-BR" sz="2600" dirty="0" smtClean="0"/>
+              <a:t>)</a:t>
+            </a:r>
+          </a:p>
+          <a:p>
+            <a:pPr lvl="1"/>
+            <a:r>
+              <a:rPr lang="pt-BR" sz="2600" dirty="0" smtClean="0"/>
+              <a:t>Noções básicas de eletrônica na prática</a:t>
+            </a:r>
+            <a:endParaRPr lang="pt-BR" sz="2600" dirty="0"/>
           </a:p>
         </p:txBody>
       </p:sp>
@@ -3325,6 +3385,197 @@
       </p:par>
     </p:tnLst>
   </p:timing>
+</p:sld>
+</file>
+
+<file path=ppt/slides/slide4.xml><?xml version="1.0" encoding="utf-8"?>
+<p:sld xmlns:a="http://schemas.openxmlformats.org/drawingml/2006/main" xmlns:r="http://schemas.openxmlformats.org/officeDocument/2006/relationships" xmlns:p="http://schemas.openxmlformats.org/presentationml/2006/main">
+  <p:cSld>
+    <p:spTree>
+      <p:nvGrpSpPr>
+        <p:cNvPr id="1" name=""/>
+        <p:cNvGrpSpPr/>
+        <p:nvPr/>
+      </p:nvGrpSpPr>
+      <p:grpSpPr>
+        <a:xfrm>
+          <a:off x="0" y="0"/>
+          <a:ext cx="0" cy="0"/>
+          <a:chOff x="0" y="0"/>
+          <a:chExt cx="0" cy="0"/>
+        </a:xfrm>
+      </p:grpSpPr>
+      <p:sp>
+        <p:nvSpPr>
+          <p:cNvPr id="2" name="Título 1"/>
+          <p:cNvSpPr>
+            <a:spLocks noGrp="1"/>
+          </p:cNvSpPr>
+          <p:nvPr>
+            <p:ph type="title"/>
+          </p:nvPr>
+        </p:nvSpPr>
+        <p:spPr/>
+        <p:txBody>
+          <a:bodyPr/>
+          <a:lstStyle/>
+          <a:p>
+            <a:r>
+              <a:rPr lang="pt-BR" dirty="0" smtClean="0"/>
+              <a:t>Objetivos</a:t>
+            </a:r>
+            <a:endParaRPr lang="pt-BR" dirty="0"/>
+          </a:p>
+        </p:txBody>
+      </p:sp>
+      <p:sp>
+        <p:nvSpPr>
+          <p:cNvPr id="3" name="Espaço Reservado para Conteúdo 2"/>
+          <p:cNvSpPr>
+            <a:spLocks noGrp="1"/>
+          </p:cNvSpPr>
+          <p:nvPr>
+            <p:ph idx="1"/>
+          </p:nvPr>
+        </p:nvSpPr>
+        <p:spPr/>
+        <p:txBody>
+          <a:bodyPr>
+            <a:normAutofit/>
+          </a:bodyPr>
+          <a:lstStyle/>
+          <a:p>
+            <a:pPr lvl="0"/>
+            <a:r>
+              <a:rPr lang="pt-BR" sz="3000" dirty="0" smtClean="0"/>
+              <a:t>Integrar a placa </a:t>
+            </a:r>
+            <a:r>
+              <a:rPr lang="pt-BR" sz="3000" dirty="0" err="1" smtClean="0"/>
+              <a:t>Raspberry</a:t>
+            </a:r>
+            <a:r>
+              <a:rPr lang="pt-BR" sz="3000" dirty="0" smtClean="0"/>
+              <a:t> </a:t>
+            </a:r>
+            <a:r>
+              <a:rPr lang="pt-BR" sz="3000" dirty="0" err="1" smtClean="0"/>
+              <a:t>Pi</a:t>
+            </a:r>
+            <a:r>
+              <a:rPr lang="pt-BR" sz="3000" dirty="0" smtClean="0"/>
+              <a:t> Zero W com um módulo GPS, um adaptador ELM327 Bluetooth e uma câmera</a:t>
+            </a:r>
+          </a:p>
+          <a:p>
+            <a:r>
+              <a:rPr lang="pt-BR" sz="3000" dirty="0" smtClean="0"/>
+              <a:t>Desenvolver </a:t>
+            </a:r>
+            <a:r>
+              <a:rPr lang="pt-BR" sz="3000" dirty="0"/>
+              <a:t>um software embarcado onde será possível verificar a localização </a:t>
+            </a:r>
+            <a:r>
+              <a:rPr lang="pt-BR" sz="3000" dirty="0" smtClean="0"/>
+              <a:t>atual do veículo, </a:t>
+            </a:r>
+            <a:r>
+              <a:rPr lang="pt-BR" sz="3000" dirty="0"/>
+              <a:t>as últimas </a:t>
+            </a:r>
+            <a:r>
+              <a:rPr lang="pt-BR" sz="3000" dirty="0" smtClean="0"/>
+              <a:t>localizações, </a:t>
+            </a:r>
+            <a:r>
+              <a:rPr lang="pt-BR" sz="3000" dirty="0"/>
+              <a:t>capturar imagens e disponibilizar informações </a:t>
+            </a:r>
+            <a:r>
+              <a:rPr lang="pt-BR" sz="3000" dirty="0" smtClean="0"/>
+              <a:t>da </a:t>
+            </a:r>
+            <a:r>
+              <a:rPr lang="pt-BR" sz="3000" dirty="0"/>
+              <a:t>porta </a:t>
+            </a:r>
+            <a:r>
+              <a:rPr lang="pt-BR" sz="3000" dirty="0" smtClean="0"/>
+              <a:t>On-Board </a:t>
+            </a:r>
+            <a:r>
+              <a:rPr lang="pt-BR" sz="3000" dirty="0" err="1" smtClean="0"/>
+              <a:t>Diagnostic</a:t>
+            </a:r>
+            <a:r>
+              <a:rPr lang="pt-BR" sz="3000" dirty="0" smtClean="0"/>
+              <a:t> (OBD)</a:t>
+            </a:r>
+          </a:p>
+          <a:p>
+            <a:pPr lvl="0"/>
+            <a:r>
+              <a:rPr lang="pt-BR" sz="3000" dirty="0" smtClean="0"/>
+              <a:t>Desenvolver </a:t>
+            </a:r>
+            <a:r>
+              <a:rPr lang="pt-BR" sz="3000" dirty="0"/>
+              <a:t>uma </a:t>
+            </a:r>
+            <a:r>
+              <a:rPr lang="pt-BR" sz="3000" dirty="0" smtClean="0"/>
+              <a:t>aplicação móvel </a:t>
+            </a:r>
+            <a:r>
+              <a:rPr lang="pt-BR" sz="3000" dirty="0"/>
+              <a:t>para consultar as informações disponíveis pelo software </a:t>
+            </a:r>
+            <a:r>
+              <a:rPr lang="pt-BR" sz="3000" dirty="0" smtClean="0"/>
+              <a:t>embarcado</a:t>
+            </a:r>
+          </a:p>
+          <a:p>
+            <a:pPr lvl="0"/>
+            <a:r>
+              <a:rPr lang="pt-BR" sz="3000" dirty="0" smtClean="0"/>
+              <a:t>Notificar se ocorrer falhas </a:t>
+            </a:r>
+            <a:r>
+              <a:rPr lang="pt-BR" sz="3000" dirty="0"/>
+              <a:t>no motor </a:t>
+            </a:r>
+            <a:r>
+              <a:rPr lang="pt-BR" sz="3000" dirty="0" smtClean="0"/>
+              <a:t>retornadas </a:t>
+            </a:r>
+            <a:r>
+              <a:rPr lang="pt-BR" sz="3000" dirty="0"/>
+              <a:t>pela porta OBD</a:t>
+            </a:r>
+          </a:p>
+          <a:p>
+            <a:pPr marL="0" lvl="0" indent="0">
+              <a:buNone/>
+            </a:pPr>
+            <a:endParaRPr lang="pt-BR" sz="3000" dirty="0"/>
+          </a:p>
+          <a:p>
+            <a:endParaRPr lang="pt-BR" sz="3000" dirty="0"/>
+          </a:p>
+        </p:txBody>
+      </p:sp>
+    </p:spTree>
+    <p:extLst>
+      <p:ext uri="{BB962C8B-B14F-4D97-AF65-F5344CB8AC3E}">
+        <p14:creationId xmlns:p14="http://schemas.microsoft.com/office/powerpoint/2010/main" val="1115904778"/>
+      </p:ext>
+    </p:extLst>
+  </p:cSld>
+  <p:clrMapOvr>
+    <a:masterClrMapping/>
+  </p:clrMapOvr>
 </p:sld>
 </file>
 
